--- a/DC/ppts/Chapter1_Lecture4.pptx
+++ b/DC/ppts/Chapter1_Lecture4.pptx
@@ -151,6 +151,35 @@
 </p:presentation>
 </file>
 
+<file path=ppt/changesInfos/changesInfo1.xml><?xml version="1.0" encoding="utf-8"?>
+<pc:chgInfo xmlns:a="http://schemas.openxmlformats.org/drawingml/2006/main" xmlns:r="http://schemas.openxmlformats.org/officeDocument/2006/relationships" xmlns:ac="http://schemas.microsoft.com/office/drawing/2013/main/command" xmlns:pc="http://schemas.microsoft.com/office/powerpoint/2013/main/command">
+  <pc:docChgLst>
+    <pc:chgData name="Rommel Ghosh" userId="1fe85421421809a7" providerId="LiveId" clId="{E0FE64F2-423A-4477-97B7-83763AD6E102}"/>
+    <pc:docChg chg="modSld">
+      <pc:chgData name="Rommel Ghosh" userId="1fe85421421809a7" providerId="LiveId" clId="{E0FE64F2-423A-4477-97B7-83763AD6E102}" dt="2024-03-03T10:04:53.137" v="0" actId="1076"/>
+      <pc:docMkLst>
+        <pc:docMk/>
+      </pc:docMkLst>
+      <pc:sldChg chg="modSp mod">
+        <pc:chgData name="Rommel Ghosh" userId="1fe85421421809a7" providerId="LiveId" clId="{E0FE64F2-423A-4477-97B7-83763AD6E102}" dt="2024-03-03T10:04:53.137" v="0" actId="1076"/>
+        <pc:sldMkLst>
+          <pc:docMk/>
+          <pc:sldMk cId="51408667" sldId="326"/>
+        </pc:sldMkLst>
+        <pc:spChg chg="mod">
+          <ac:chgData name="Rommel Ghosh" userId="1fe85421421809a7" providerId="LiveId" clId="{E0FE64F2-423A-4477-97B7-83763AD6E102}" dt="2024-03-03T10:04:53.137" v="0" actId="1076"/>
+          <ac:spMkLst>
+            <pc:docMk/>
+            <pc:sldMk cId="51408667" sldId="326"/>
+            <ac:spMk id="3" creationId="{DFEA4B9E-6A0C-3051-9DC5-474061FFE859}"/>
+          </ac:spMkLst>
+        </pc:spChg>
+      </pc:sldChg>
+    </pc:docChg>
+  </pc:docChgLst>
+</pc:chgInfo>
+</file>
+
 <file path=ppt/notesMasters/notesMaster1.xml><?xml version="1.0" encoding="utf-8"?>
 <p:notesMaster xmlns:a="http://schemas.openxmlformats.org/drawingml/2006/main" xmlns:r="http://schemas.openxmlformats.org/officeDocument/2006/relationships" xmlns:p="http://schemas.openxmlformats.org/presentationml/2006/main">
   <p:cSld>
@@ -233,7 +262,7 @@
           <a:p>
             <a:fld id="{55F475C2-003B-4500-B4FE-9AFB6A3C56CE}" type="datetimeFigureOut">
               <a:rPr lang="en-US" smtClean="0"/>
-              <a:t>2/2/2024</a:t>
+              <a:t>3/3/2024</a:t>
             </a:fld>
             <a:endParaRPr lang="en-US"/>
           </a:p>
@@ -2380,7 +2409,7 @@
           <a:p>
             <a:fld id="{0DAF61AA-5A98-4049-A93E-477E5505141A}" type="datetimeFigureOut">
               <a:rPr lang="en-US" smtClean="0"/>
-              <a:t>2/2/2024</a:t>
+              <a:t>3/3/2024</a:t>
             </a:fld>
             <a:endParaRPr lang="en-US" dirty="0"/>
           </a:p>
@@ -2656,7 +2685,7 @@
             <a:fld id="{0DAF61AA-5A98-4049-A93E-477E5505141A}" type="datetimeFigureOut">
               <a:rPr lang="en-US" smtClean="0"/>
               <a:pPr/>
-              <a:t>2/2/2024</a:t>
+              <a:t>3/3/2024</a:t>
             </a:fld>
             <a:endParaRPr lang="en-US" dirty="0"/>
           </a:p>
@@ -2852,7 +2881,7 @@
             <a:fld id="{0DAF61AA-5A98-4049-A93E-477E5505141A}" type="datetimeFigureOut">
               <a:rPr lang="en-US" smtClean="0"/>
               <a:pPr/>
-              <a:t>2/2/2024</a:t>
+              <a:t>3/3/2024</a:t>
             </a:fld>
             <a:endParaRPr lang="en-US" dirty="0"/>
           </a:p>
@@ -3127,7 +3156,7 @@
             <a:fld id="{0DAF61AA-5A98-4049-A93E-477E5505141A}" type="datetimeFigureOut">
               <a:rPr lang="en-US" smtClean="0"/>
               <a:pPr/>
-              <a:t>2/2/2024</a:t>
+              <a:t>3/3/2024</a:t>
             </a:fld>
             <a:endParaRPr lang="en-US" dirty="0"/>
           </a:p>
@@ -3470,7 +3499,7 @@
             <a:fld id="{0DAF61AA-5A98-4049-A93E-477E5505141A}" type="datetimeFigureOut">
               <a:rPr lang="en-US" smtClean="0"/>
               <a:pPr/>
-              <a:t>2/2/2024</a:t>
+              <a:t>3/3/2024</a:t>
             </a:fld>
             <a:endParaRPr lang="en-US" dirty="0"/>
           </a:p>
@@ -4095,7 +4124,7 @@
             <a:fld id="{0DAF61AA-5A98-4049-A93E-477E5505141A}" type="datetimeFigureOut">
               <a:rPr lang="en-US" smtClean="0"/>
               <a:pPr/>
-              <a:t>2/2/2024</a:t>
+              <a:t>3/3/2024</a:t>
             </a:fld>
             <a:endParaRPr lang="en-US" dirty="0"/>
           </a:p>
@@ -4957,7 +4986,7 @@
             <a:fld id="{0DAF61AA-5A98-4049-A93E-477E5505141A}" type="datetimeFigureOut">
               <a:rPr lang="en-US" smtClean="0"/>
               <a:pPr/>
-              <a:t>2/2/2024</a:t>
+              <a:t>3/3/2024</a:t>
             </a:fld>
             <a:endParaRPr lang="en-US" dirty="0"/>
           </a:p>
@@ -5128,7 +5157,7 @@
           <a:p>
             <a:fld id="{0DAF61AA-5A98-4049-A93E-477E5505141A}" type="datetimeFigureOut">
               <a:rPr lang="en-US" smtClean="0"/>
-              <a:t>2/2/2024</a:t>
+              <a:t>3/3/2024</a:t>
             </a:fld>
             <a:endParaRPr lang="en-US"/>
           </a:p>
@@ -5308,7 +5337,7 @@
           <a:p>
             <a:fld id="{0DAF61AA-5A98-4049-A93E-477E5505141A}" type="datetimeFigureOut">
               <a:rPr lang="en-US" smtClean="0"/>
-              <a:t>2/2/2024</a:t>
+              <a:t>3/3/2024</a:t>
             </a:fld>
             <a:endParaRPr lang="en-US"/>
           </a:p>
@@ -5478,7 +5507,7 @@
           <a:p>
             <a:fld id="{0DAF61AA-5A98-4049-A93E-477E5505141A}" type="datetimeFigureOut">
               <a:rPr lang="en-US" smtClean="0"/>
-              <a:t>2/2/2024</a:t>
+              <a:t>3/3/2024</a:t>
             </a:fld>
             <a:endParaRPr lang="en-US"/>
           </a:p>
@@ -5725,7 +5754,7 @@
           <a:p>
             <a:fld id="{0DAF61AA-5A98-4049-A93E-477E5505141A}" type="datetimeFigureOut">
               <a:rPr lang="en-US" smtClean="0"/>
-              <a:t>2/2/2024</a:t>
+              <a:t>3/3/2024</a:t>
             </a:fld>
             <a:endParaRPr lang="en-US"/>
           </a:p>
@@ -6017,7 +6046,7 @@
           <a:p>
             <a:fld id="{0DAF61AA-5A98-4049-A93E-477E5505141A}" type="datetimeFigureOut">
               <a:rPr lang="en-US" smtClean="0"/>
-              <a:t>2/2/2024</a:t>
+              <a:t>3/3/2024</a:t>
             </a:fld>
             <a:endParaRPr lang="en-US"/>
           </a:p>
@@ -6461,7 +6490,7 @@
           <a:p>
             <a:fld id="{0DAF61AA-5A98-4049-A93E-477E5505141A}" type="datetimeFigureOut">
               <a:rPr lang="en-US" smtClean="0"/>
-              <a:t>2/2/2024</a:t>
+              <a:t>3/3/2024</a:t>
             </a:fld>
             <a:endParaRPr lang="en-US"/>
           </a:p>
@@ -6579,7 +6608,7 @@
           <a:p>
             <a:fld id="{0DAF61AA-5A98-4049-A93E-477E5505141A}" type="datetimeFigureOut">
               <a:rPr lang="en-US" smtClean="0"/>
-              <a:t>2/2/2024</a:t>
+              <a:t>3/3/2024</a:t>
             </a:fld>
             <a:endParaRPr lang="en-US"/>
           </a:p>
@@ -6674,7 +6703,7 @@
           <a:p>
             <a:fld id="{0DAF61AA-5A98-4049-A93E-477E5505141A}" type="datetimeFigureOut">
               <a:rPr lang="en-US" smtClean="0"/>
-              <a:t>2/2/2024</a:t>
+              <a:t>3/3/2024</a:t>
             </a:fld>
             <a:endParaRPr lang="en-US"/>
           </a:p>
@@ -6953,7 +6982,7 @@
           <a:p>
             <a:fld id="{0DAF61AA-5A98-4049-A93E-477E5505141A}" type="datetimeFigureOut">
               <a:rPr lang="en-US" smtClean="0"/>
-              <a:t>2/2/2024</a:t>
+              <a:t>3/3/2024</a:t>
             </a:fld>
             <a:endParaRPr lang="en-US"/>
           </a:p>
@@ -7228,7 +7257,7 @@
           <a:p>
             <a:fld id="{0DAF61AA-5A98-4049-A93E-477E5505141A}" type="datetimeFigureOut">
               <a:rPr lang="en-US" smtClean="0"/>
-              <a:t>2/2/2024</a:t>
+              <a:t>3/3/2024</a:t>
             </a:fld>
             <a:endParaRPr lang="en-US"/>
           </a:p>
@@ -7658,7 +7687,7 @@
             <a:fld id="{0DAF61AA-5A98-4049-A93E-477E5505141A}" type="datetimeFigureOut">
               <a:rPr lang="en-US" smtClean="0"/>
               <a:pPr/>
-              <a:t>2/2/2024</a:t>
+              <a:t>3/3/2024</a:t>
             </a:fld>
             <a:endParaRPr lang="en-US" dirty="0"/>
           </a:p>
@@ -14403,7 +14432,7 @@
         </p:nvSpPr>
         <p:spPr>
           <a:xfrm>
-            <a:off x="972797" y="1567544"/>
+            <a:off x="1119942" y="1704178"/>
             <a:ext cx="10249385" cy="4132612"/>
           </a:xfrm>
         </p:spPr>
